--- a/Assets/StreamingAssets/2D_Objects/Practice/Old Instructions/Practice_online_final.pptx
+++ b/Assets/StreamingAssets/2D_Objects/Practice/Old Instructions/Practice_online_final.pptx
@@ -292,7 +292,7 @@
           <a:p>
             <a:fld id="{CA365A23-D275-4D5C-A163-A5AA11A9E6CE}" type="datetimeFigureOut">
               <a:rPr lang="en-US" smtClean="0"/>
-              <a:t>5/28/2020</a:t>
+              <a:t>6/11/2020</a:t>
             </a:fld>
             <a:endParaRPr lang="en-US"/>
           </a:p>
@@ -490,7 +490,7 @@
           <a:p>
             <a:fld id="{CA365A23-D275-4D5C-A163-A5AA11A9E6CE}" type="datetimeFigureOut">
               <a:rPr lang="en-US" smtClean="0"/>
-              <a:t>5/28/2020</a:t>
+              <a:t>6/11/2020</a:t>
             </a:fld>
             <a:endParaRPr lang="en-US"/>
           </a:p>
@@ -698,7 +698,7 @@
           <a:p>
             <a:fld id="{CA365A23-D275-4D5C-A163-A5AA11A9E6CE}" type="datetimeFigureOut">
               <a:rPr lang="en-US" smtClean="0"/>
-              <a:t>5/28/2020</a:t>
+              <a:t>6/11/2020</a:t>
             </a:fld>
             <a:endParaRPr lang="en-US"/>
           </a:p>
@@ -896,7 +896,7 @@
           <a:p>
             <a:fld id="{CA365A23-D275-4D5C-A163-A5AA11A9E6CE}" type="datetimeFigureOut">
               <a:rPr lang="en-US" smtClean="0"/>
-              <a:t>5/28/2020</a:t>
+              <a:t>6/11/2020</a:t>
             </a:fld>
             <a:endParaRPr lang="en-US"/>
           </a:p>
@@ -1171,7 +1171,7 @@
           <a:p>
             <a:fld id="{CA365A23-D275-4D5C-A163-A5AA11A9E6CE}" type="datetimeFigureOut">
               <a:rPr lang="en-US" smtClean="0"/>
-              <a:t>5/28/2020</a:t>
+              <a:t>6/11/2020</a:t>
             </a:fld>
             <a:endParaRPr lang="en-US"/>
           </a:p>
@@ -1436,7 +1436,7 @@
           <a:p>
             <a:fld id="{CA365A23-D275-4D5C-A163-A5AA11A9E6CE}" type="datetimeFigureOut">
               <a:rPr lang="en-US" smtClean="0"/>
-              <a:t>5/28/2020</a:t>
+              <a:t>6/11/2020</a:t>
             </a:fld>
             <a:endParaRPr lang="en-US"/>
           </a:p>
@@ -1848,7 +1848,7 @@
           <a:p>
             <a:fld id="{CA365A23-D275-4D5C-A163-A5AA11A9E6CE}" type="datetimeFigureOut">
               <a:rPr lang="en-US" smtClean="0"/>
-              <a:t>5/28/2020</a:t>
+              <a:t>6/11/2020</a:t>
             </a:fld>
             <a:endParaRPr lang="en-US"/>
           </a:p>
@@ -1989,7 +1989,7 @@
           <a:p>
             <a:fld id="{CA365A23-D275-4D5C-A163-A5AA11A9E6CE}" type="datetimeFigureOut">
               <a:rPr lang="en-US" smtClean="0"/>
-              <a:t>5/28/2020</a:t>
+              <a:t>6/11/2020</a:t>
             </a:fld>
             <a:endParaRPr lang="en-US"/>
           </a:p>
@@ -2102,7 +2102,7 @@
           <a:p>
             <a:fld id="{CA365A23-D275-4D5C-A163-A5AA11A9E6CE}" type="datetimeFigureOut">
               <a:rPr lang="en-US" smtClean="0"/>
-              <a:t>5/28/2020</a:t>
+              <a:t>6/11/2020</a:t>
             </a:fld>
             <a:endParaRPr lang="en-US"/>
           </a:p>
@@ -2413,7 +2413,7 @@
           <a:p>
             <a:fld id="{CA365A23-D275-4D5C-A163-A5AA11A9E6CE}" type="datetimeFigureOut">
               <a:rPr lang="en-US" smtClean="0"/>
-              <a:t>5/28/2020</a:t>
+              <a:t>6/11/2020</a:t>
             </a:fld>
             <a:endParaRPr lang="en-US"/>
           </a:p>
@@ -2701,7 +2701,7 @@
           <a:p>
             <a:fld id="{CA365A23-D275-4D5C-A163-A5AA11A9E6CE}" type="datetimeFigureOut">
               <a:rPr lang="en-US" smtClean="0"/>
-              <a:t>5/28/2020</a:t>
+              <a:t>6/11/2020</a:t>
             </a:fld>
             <a:endParaRPr lang="en-US"/>
           </a:p>
@@ -2942,7 +2942,7 @@
           <a:p>
             <a:fld id="{CA365A23-D275-4D5C-A163-A5AA11A9E6CE}" type="datetimeFigureOut">
               <a:rPr lang="en-US" smtClean="0"/>
-              <a:t>5/28/2020</a:t>
+              <a:t>6/11/2020</a:t>
             </a:fld>
             <a:endParaRPr lang="en-US"/>
           </a:p>
@@ -3382,7 +3382,7 @@
             <a:pPr algn="ctr"/>
             <a:r>
               <a:rPr lang="en-US" b="1" dirty="0"/>
-              <a:t>Welcome to experiment!</a:t>
+              <a:t>Welcome to Session 1</a:t>
             </a:r>
           </a:p>
         </p:txBody>
@@ -3399,8 +3399,8 @@
         </p:nvSpPr>
         <p:spPr>
           <a:xfrm>
-            <a:off x="838200" y="872434"/>
-            <a:ext cx="10515600" cy="4728059"/>
+            <a:off x="460189" y="872434"/>
+            <a:ext cx="11271622" cy="4728059"/>
           </a:xfrm>
         </p:spPr>
         <p:txBody>
@@ -3409,12 +3409,12 @@
           </a:bodyPr>
           <a:lstStyle/>
           <a:p>
-            <a:pPr marL="0" indent="0">
+            <a:pPr marL="0" indent="0" algn="ctr">
               <a:buNone/>
             </a:pPr>
             <a:r>
               <a:rPr lang="en-US" dirty="0"/>
-              <a:t>The experiment will take you </a:t>
+              <a:t>This session will take approximately </a:t>
             </a:r>
             <a:r>
               <a:rPr lang="en-US" b="1" dirty="0">
@@ -3513,15 +3513,31 @@
               <a:buNone/>
             </a:pPr>
             <a:r>
-              <a:rPr lang="en-US" sz="3600" dirty="0"/>
-              <a:t>Please confirm with the experimenter that you have entered the correct participant ID before pressing the </a:t>
-            </a:r>
-            <a:r>
-              <a:rPr lang="en-US" sz="3600" b="1" dirty="0"/>
+              <a:rPr lang="en-US" dirty="0"/>
+              <a:t>Please confirm with the experimenter that you have entered the correct </a:t>
+            </a:r>
+            <a:r>
+              <a:rPr lang="en-US" b="1" dirty="0"/>
+              <a:t>Session #</a:t>
+            </a:r>
+            <a:r>
+              <a:rPr lang="en-US" dirty="0"/>
+              <a:t> and </a:t>
+            </a:r>
+            <a:r>
+              <a:rPr lang="en-US" b="1" dirty="0"/>
+              <a:t>Participant ID</a:t>
+            </a:r>
+            <a:r>
+              <a:rPr lang="en-US" dirty="0"/>
+              <a:t> before pressing the </a:t>
+            </a:r>
+            <a:r>
+              <a:rPr lang="en-US" b="1" dirty="0"/>
               <a:t>Start Experiment </a:t>
             </a:r>
             <a:r>
-              <a:rPr lang="en-US" sz="3600" dirty="0"/>
+              <a:rPr lang="en-US" dirty="0"/>
               <a:t>button.</a:t>
             </a:r>
           </a:p>
@@ -5636,7 +5652,7 @@
             <a:noFill/>
             <a:extLst>
               <a:ext uri="{909E8E84-426E-40dd-AFC4-6F175D3DCCD1}">
-                <a14:hiddenFill xmlns="" xmlns:a14="http://schemas.microsoft.com/office/drawing/2010/main">
+                <a14:hiddenFill xmlns:a14="http://schemas.microsoft.com/office/drawing/2010/main" xmlns="">
                   <a:solidFill>
                     <a:srgbClr val="FFFFFF"/>
                   </a:solidFill>
@@ -5681,7 +5697,7 @@
             <a:noFill/>
             <a:extLst>
               <a:ext uri="{909E8E84-426E-40dd-AFC4-6F175D3DCCD1}">
-                <a14:hiddenFill xmlns="" xmlns:a14="http://schemas.microsoft.com/office/drawing/2010/main">
+                <a14:hiddenFill xmlns:a14="http://schemas.microsoft.com/office/drawing/2010/main" xmlns="">
                   <a:solidFill>
                     <a:srgbClr val="FFFFFF"/>
                   </a:solidFill>
@@ -5726,7 +5742,7 @@
             <a:noFill/>
             <a:extLst>
               <a:ext uri="{909E8E84-426E-40dd-AFC4-6F175D3DCCD1}">
-                <a14:hiddenFill xmlns="" xmlns:a14="http://schemas.microsoft.com/office/drawing/2010/main">
+                <a14:hiddenFill xmlns:a14="http://schemas.microsoft.com/office/drawing/2010/main" xmlns="">
                   <a:solidFill>
                     <a:srgbClr val="FFFFFF"/>
                   </a:solidFill>
@@ -8831,7 +8847,7 @@
             <a:noFill/>
             <a:extLst>
               <a:ext uri="{909E8E84-426E-40dd-AFC4-6F175D3DCCD1}">
-                <a14:hiddenFill xmlns="" xmlns:a14="http://schemas.microsoft.com/office/drawing/2010/main">
+                <a14:hiddenFill xmlns:a14="http://schemas.microsoft.com/office/drawing/2010/main" xmlns="">
                   <a:solidFill>
                     <a:srgbClr val="FFFFFF"/>
                   </a:solidFill>
@@ -9673,7 +9689,7 @@
             <a:noFill/>
             <a:extLst>
               <a:ext uri="{909E8E84-426E-40dd-AFC4-6F175D3DCCD1}">
-                <a14:hiddenFill xmlns="" xmlns:a14="http://schemas.microsoft.com/office/drawing/2010/main">
+                <a14:hiddenFill xmlns:a14="http://schemas.microsoft.com/office/drawing/2010/main" xmlns="">
                   <a:solidFill>
                     <a:srgbClr val="FFFFFF"/>
                   </a:solidFill>
@@ -9718,7 +9734,7 @@
             <a:noFill/>
             <a:extLst>
               <a:ext uri="{909E8E84-426E-40dd-AFC4-6F175D3DCCD1}">
-                <a14:hiddenFill xmlns="" xmlns:a14="http://schemas.microsoft.com/office/drawing/2010/main">
+                <a14:hiddenFill xmlns:a14="http://schemas.microsoft.com/office/drawing/2010/main" xmlns="">
                   <a:solidFill>
                     <a:srgbClr val="FFFFFF"/>
                   </a:solidFill>
@@ -9763,7 +9779,7 @@
             <a:noFill/>
             <a:extLst>
               <a:ext uri="{909E8E84-426E-40dd-AFC4-6F175D3DCCD1}">
-                <a14:hiddenFill xmlns="" xmlns:a14="http://schemas.microsoft.com/office/drawing/2010/main">
+                <a14:hiddenFill xmlns:a14="http://schemas.microsoft.com/office/drawing/2010/main" xmlns="">
                   <a:solidFill>
                     <a:srgbClr val="FFFFFF"/>
                   </a:solidFill>
